--- a/Presentation/Gruppe10(Präsentation3) .pptx
+++ b/Presentation/Gruppe10(Präsentation3) .pptx
@@ -205,7 +205,7 @@
           <a:p>
             <a:fld id="{69C57565-D9A9-42DC-8E72-54DE571BFA9D}" type="datetimeFigureOut">
               <a:rPr lang="de-CH" smtClean="0"/>
-              <a:t>13.05.2025</a:t>
+              <a:t>14.05.2025</a:t>
             </a:fld>
             <a:endParaRPr lang="de-CH"/>
           </a:p>
@@ -706,7 +706,7 @@
           <a:p>
             <a:fld id="{75010D13-5421-45FB-91B5-734B751F6B9F}" type="datetimeFigureOut">
               <a:rPr lang="de-CH" smtClean="0"/>
-              <a:t>13.05.2025</a:t>
+              <a:t>14.05.2025</a:t>
             </a:fld>
             <a:endParaRPr lang="de-CH"/>
           </a:p>
@@ -906,7 +906,7 @@
           <a:p>
             <a:fld id="{75010D13-5421-45FB-91B5-734B751F6B9F}" type="datetimeFigureOut">
               <a:rPr lang="de-CH" smtClean="0"/>
-              <a:t>13.05.2025</a:t>
+              <a:t>14.05.2025</a:t>
             </a:fld>
             <a:endParaRPr lang="de-CH"/>
           </a:p>
@@ -1116,7 +1116,7 @@
           <a:p>
             <a:fld id="{75010D13-5421-45FB-91B5-734B751F6B9F}" type="datetimeFigureOut">
               <a:rPr lang="de-CH" smtClean="0"/>
-              <a:t>13.05.2025</a:t>
+              <a:t>14.05.2025</a:t>
             </a:fld>
             <a:endParaRPr lang="de-CH"/>
           </a:p>
@@ -1316,7 +1316,7 @@
           <a:p>
             <a:fld id="{75010D13-5421-45FB-91B5-734B751F6B9F}" type="datetimeFigureOut">
               <a:rPr lang="de-CH" smtClean="0"/>
-              <a:t>13.05.2025</a:t>
+              <a:t>14.05.2025</a:t>
             </a:fld>
             <a:endParaRPr lang="de-CH"/>
           </a:p>
@@ -1592,7 +1592,7 @@
           <a:p>
             <a:fld id="{75010D13-5421-45FB-91B5-734B751F6B9F}" type="datetimeFigureOut">
               <a:rPr lang="de-CH" smtClean="0"/>
-              <a:t>13.05.2025</a:t>
+              <a:t>14.05.2025</a:t>
             </a:fld>
             <a:endParaRPr lang="de-CH"/>
           </a:p>
@@ -1860,7 +1860,7 @@
           <a:p>
             <a:fld id="{75010D13-5421-45FB-91B5-734B751F6B9F}" type="datetimeFigureOut">
               <a:rPr lang="de-CH" smtClean="0"/>
-              <a:t>13.05.2025</a:t>
+              <a:t>14.05.2025</a:t>
             </a:fld>
             <a:endParaRPr lang="de-CH"/>
           </a:p>
@@ -2275,7 +2275,7 @@
           <a:p>
             <a:fld id="{75010D13-5421-45FB-91B5-734B751F6B9F}" type="datetimeFigureOut">
               <a:rPr lang="de-CH" smtClean="0"/>
-              <a:t>13.05.2025</a:t>
+              <a:t>14.05.2025</a:t>
             </a:fld>
             <a:endParaRPr lang="de-CH"/>
           </a:p>
@@ -2417,7 +2417,7 @@
           <a:p>
             <a:fld id="{75010D13-5421-45FB-91B5-734B751F6B9F}" type="datetimeFigureOut">
               <a:rPr lang="de-CH" smtClean="0"/>
-              <a:t>13.05.2025</a:t>
+              <a:t>14.05.2025</a:t>
             </a:fld>
             <a:endParaRPr lang="de-CH"/>
           </a:p>
@@ -2530,7 +2530,7 @@
           <a:p>
             <a:fld id="{75010D13-5421-45FB-91B5-734B751F6B9F}" type="datetimeFigureOut">
               <a:rPr lang="de-CH" smtClean="0"/>
-              <a:t>13.05.2025</a:t>
+              <a:t>14.05.2025</a:t>
             </a:fld>
             <a:endParaRPr lang="de-CH"/>
           </a:p>
@@ -2843,7 +2843,7 @@
           <a:p>
             <a:fld id="{75010D13-5421-45FB-91B5-734B751F6B9F}" type="datetimeFigureOut">
               <a:rPr lang="de-CH" smtClean="0"/>
-              <a:t>13.05.2025</a:t>
+              <a:t>14.05.2025</a:t>
             </a:fld>
             <a:endParaRPr lang="de-CH"/>
           </a:p>
@@ -3132,7 +3132,7 @@
           <a:p>
             <a:fld id="{75010D13-5421-45FB-91B5-734B751F6B9F}" type="datetimeFigureOut">
               <a:rPr lang="de-CH" smtClean="0"/>
-              <a:t>13.05.2025</a:t>
+              <a:t>14.05.2025</a:t>
             </a:fld>
             <a:endParaRPr lang="de-CH"/>
           </a:p>
@@ -3375,7 +3375,7 @@
           <a:p>
             <a:fld id="{75010D13-5421-45FB-91B5-734B751F6B9F}" type="datetimeFigureOut">
               <a:rPr lang="de-CH" smtClean="0"/>
-              <a:t>13.05.2025</a:t>
+              <a:t>14.05.2025</a:t>
             </a:fld>
             <a:endParaRPr lang="de-CH"/>
           </a:p>
@@ -4248,42 +4248,6 @@
           </a:p>
         </p:txBody>
       </p:sp>
-      <p:pic>
-        <p:nvPicPr>
-          <p:cNvPr id="6" name="Picture 5" descr="A qr code with a dog head&#10;&#10;AI-generated content may be incorrect.">
-            <a:extLst>
-              <a:ext uri="{FF2B5EF4-FFF2-40B4-BE49-F238E27FC236}">
-                <a16:creationId xmlns:a16="http://schemas.microsoft.com/office/drawing/2014/main" id="{B3C42B57-EED6-FDA2-E34B-A8E0CD5CF4A2}"/>
-              </a:ext>
-            </a:extLst>
-          </p:cNvPr>
-          <p:cNvPicPr>
-            <a:picLocks noChangeAspect="1"/>
-          </p:cNvPicPr>
-          <p:nvPr/>
-        </p:nvPicPr>
-        <p:blipFill>
-          <a:blip r:embed="rId2">
-            <a:extLst>
-              <a:ext uri="{28A0092B-C50C-407E-A947-70E740481C1C}">
-                <a14:useLocalDpi xmlns:a14="http://schemas.microsoft.com/office/drawing/2010/main" val="0"/>
-              </a:ext>
-            </a:extLst>
-          </a:blip>
-          <a:stretch>
-            <a:fillRect/>
-          </a:stretch>
-        </p:blipFill>
-        <p:spPr>
-          <a:xfrm>
-            <a:off x="4027499" y="1562467"/>
-            <a:ext cx="4136995" cy="4136995"/>
-          </a:xfrm>
-          <a:prstGeom prst="rect">
-            <a:avLst/>
-          </a:prstGeom>
-        </p:spPr>
-      </p:pic>
       <p:sp>
         <p:nvSpPr>
           <p:cNvPr id="7" name="TextBox 6">
@@ -4316,7 +4280,7 @@
             <a:r>
               <a:rPr lang="en-US" sz="2400" dirty="0" err="1">
                 <a:latin typeface="Jersey 10" pitchFamily="2" charset="0"/>
-                <a:hlinkClick r:id="rId3">
+                <a:hlinkClick r:id="rId2">
                   <a:extLst>
                     <a:ext uri="{A12FA001-AC4F-418D-AE19-62706E023703}">
                       <ahyp:hlinkClr xmlns:ahyp="http://schemas.microsoft.com/office/drawing/2018/hyperlinkcolor" val="tx"/>
@@ -4332,6 +4296,42 @@
           </a:p>
         </p:txBody>
       </p:sp>
+      <p:pic>
+        <p:nvPicPr>
+          <p:cNvPr id="4" name="Picture 3" descr="A qr code with a dog head&#10;&#10;AI-generated content may be incorrect.">
+            <a:extLst>
+              <a:ext uri="{FF2B5EF4-FFF2-40B4-BE49-F238E27FC236}">
+                <a16:creationId xmlns:a16="http://schemas.microsoft.com/office/drawing/2014/main" id="{249A9CE5-98A4-96FD-5C2E-190F1733725E}"/>
+              </a:ext>
+            </a:extLst>
+          </p:cNvPr>
+          <p:cNvPicPr>
+            <a:picLocks noChangeAspect="1"/>
+          </p:cNvPicPr>
+          <p:nvPr/>
+        </p:nvPicPr>
+        <p:blipFill>
+          <a:blip r:embed="rId3">
+            <a:extLst>
+              <a:ext uri="{28A0092B-C50C-407E-A947-70E740481C1C}">
+                <a14:useLocalDpi xmlns:a14="http://schemas.microsoft.com/office/drawing/2010/main" val="0"/>
+              </a:ext>
+            </a:extLst>
+          </a:blip>
+          <a:stretch>
+            <a:fillRect/>
+          </a:stretch>
+        </p:blipFill>
+        <p:spPr>
+          <a:xfrm>
+            <a:off x="4086836" y="1685626"/>
+            <a:ext cx="4018318" cy="4018318"/>
+          </a:xfrm>
+          <a:prstGeom prst="rect">
+            <a:avLst/>
+          </a:prstGeom>
+        </p:spPr>
+      </p:pic>
     </p:spTree>
     <p:extLst>
       <p:ext uri="{BB962C8B-B14F-4D97-AF65-F5344CB8AC3E}">

--- a/Presentation/Gruppe10(Präsentation3) .pptx
+++ b/Presentation/Gruppe10(Präsentation3) .pptx
@@ -5,7 +5,7 @@
     <p:sldMasterId id="2147483870" r:id="rId1"/>
   </p:sldMasterIdLst>
   <p:notesMasterIdLst>
-    <p:notesMasterId r:id="rId11"/>
+    <p:notesMasterId r:id="rId12"/>
   </p:notesMasterIdLst>
   <p:sldIdLst>
     <p:sldId id="256" r:id="rId2"/>
@@ -17,6 +17,7 @@
     <p:sldId id="274" r:id="rId8"/>
     <p:sldId id="275" r:id="rId9"/>
     <p:sldId id="276" r:id="rId10"/>
+    <p:sldId id="277" r:id="rId11"/>
   </p:sldIdLst>
   <p:sldSz cx="12192000" cy="6858000"/>
   <p:notesSz cx="6858000" cy="9144000"/>
@@ -4018,6 +4019,470 @@
 </p:sld>
 </file>
 
+<file path=ppt/slides/slide10.xml><?xml version="1.0" encoding="utf-8"?>
+<p:sld xmlns:a="http://schemas.openxmlformats.org/drawingml/2006/main" xmlns:r="http://schemas.openxmlformats.org/officeDocument/2006/relationships" xmlns:p="http://schemas.openxmlformats.org/presentationml/2006/main">
+  <p:cSld>
+    <p:spTree>
+      <p:nvGrpSpPr>
+        <p:cNvPr id="1" name="">
+          <a:extLst>
+            <a:ext uri="{FF2B5EF4-FFF2-40B4-BE49-F238E27FC236}">
+              <a16:creationId xmlns:a16="http://schemas.microsoft.com/office/drawing/2014/main" id="{F42A0591-B802-3DD5-AB77-5BD5D759D59F}"/>
+            </a:ext>
+          </a:extLst>
+        </p:cNvPr>
+        <p:cNvGrpSpPr/>
+        <p:nvPr/>
+      </p:nvGrpSpPr>
+      <p:grpSpPr>
+        <a:xfrm>
+          <a:off x="0" y="0"/>
+          <a:ext cx="0" cy="0"/>
+          <a:chOff x="0" y="0"/>
+          <a:chExt cx="0" cy="0"/>
+        </a:xfrm>
+      </p:grpSpPr>
+      <p:sp>
+        <p:nvSpPr>
+          <p:cNvPr id="10" name="Title 1">
+            <a:extLst>
+              <a:ext uri="{FF2B5EF4-FFF2-40B4-BE49-F238E27FC236}">
+                <a16:creationId xmlns:a16="http://schemas.microsoft.com/office/drawing/2014/main" id="{BF30329F-0AFA-7103-6024-AE019FCA0CBA}"/>
+              </a:ext>
+            </a:extLst>
+          </p:cNvPr>
+          <p:cNvSpPr txBox="1">
+            <a:spLocks/>
+          </p:cNvSpPr>
+          <p:nvPr/>
+        </p:nvSpPr>
+        <p:spPr>
+          <a:xfrm>
+            <a:off x="554181" y="434109"/>
+            <a:ext cx="11083637" cy="951345"/>
+          </a:xfrm>
+          <a:prstGeom prst="rect">
+            <a:avLst/>
+          </a:prstGeom>
+          <a:solidFill>
+            <a:schemeClr val="tx1"/>
+          </a:solidFill>
+          <a:ln>
+            <a:solidFill>
+              <a:schemeClr val="tx1">
+                <a:lumMod val="95000"/>
+                <a:lumOff val="5000"/>
+              </a:schemeClr>
+            </a:solidFill>
+          </a:ln>
+          <a:effectLst>
+            <a:outerShdw blurRad="50800" dist="114300" dir="2940000" rotWithShape="0">
+              <a:prstClr val="black">
+                <a:alpha val="41000"/>
+              </a:prstClr>
+            </a:outerShdw>
+          </a:effectLst>
+        </p:spPr>
+        <p:txBody>
+          <a:bodyPr vert="horz" lIns="91440" tIns="45720" rIns="91440" bIns="45720" rtlCol="0" anchor="ctr">
+            <a:normAutofit/>
+          </a:bodyPr>
+          <a:lstStyle>
+            <a:lvl1pPr algn="ctr">
+              <a:lnSpc>
+                <a:spcPct val="90000"/>
+              </a:lnSpc>
+              <a:spcBef>
+                <a:spcPct val="0"/>
+              </a:spcBef>
+              <a:buNone/>
+              <a:defRPr sz="4000">
+                <a:solidFill>
+                  <a:schemeClr val="bg1"/>
+                </a:solidFill>
+                <a:latin typeface="Futuro"/>
+                <a:ea typeface="+mj-ea"/>
+                <a:cs typeface="Arial" panose="020B0604020202020204" pitchFamily="34" charset="0"/>
+              </a:defRPr>
+            </a:lvl1pPr>
+          </a:lstStyle>
+          <a:p>
+            <a:r>
+              <a:rPr lang="de-CH">
+                <a:latin typeface="Jersey 10" pitchFamily="2" charset="0"/>
+              </a:rPr>
+              <a:t>Questions?</a:t>
+            </a:r>
+            <a:endParaRPr lang="de-CH" dirty="0">
+              <a:latin typeface="Jersey 10" pitchFamily="2" charset="0"/>
+            </a:endParaRPr>
+          </a:p>
+        </p:txBody>
+      </p:sp>
+      <p:pic>
+        <p:nvPicPr>
+          <p:cNvPr id="4" name="Picture 3" descr="A pixelated goat with a long horn&#10;&#10;AI-generated content may be incorrect.">
+            <a:extLst>
+              <a:ext uri="{FF2B5EF4-FFF2-40B4-BE49-F238E27FC236}">
+                <a16:creationId xmlns:a16="http://schemas.microsoft.com/office/drawing/2014/main" id="{A4317763-DF42-2709-FB1C-51BC6D25320E}"/>
+              </a:ext>
+            </a:extLst>
+          </p:cNvPr>
+          <p:cNvPicPr>
+            <a:picLocks noChangeAspect="1"/>
+          </p:cNvPicPr>
+          <p:nvPr/>
+        </p:nvPicPr>
+        <p:blipFill>
+          <a:blip r:embed="rId2">
+            <a:extLst>
+              <a:ext uri="{28A0092B-C50C-407E-A947-70E740481C1C}">
+                <a14:useLocalDpi xmlns:a14="http://schemas.microsoft.com/office/drawing/2010/main" val="0"/>
+              </a:ext>
+            </a:extLst>
+          </a:blip>
+          <a:stretch>
+            <a:fillRect/>
+          </a:stretch>
+        </p:blipFill>
+        <p:spPr>
+          <a:xfrm>
+            <a:off x="-3409950" y="2226202"/>
+            <a:ext cx="3048000" cy="3048000"/>
+          </a:xfrm>
+          <a:prstGeom prst="rect">
+            <a:avLst/>
+          </a:prstGeom>
+        </p:spPr>
+      </p:pic>
+      <p:pic>
+        <p:nvPicPr>
+          <p:cNvPr id="5" name="Picture 4" descr="A pixelated goat with a long horn&#10;&#10;AI-generated content may be incorrect.">
+            <a:extLst>
+              <a:ext uri="{FF2B5EF4-FFF2-40B4-BE49-F238E27FC236}">
+                <a16:creationId xmlns:a16="http://schemas.microsoft.com/office/drawing/2014/main" id="{7448014A-7FA4-73ED-7699-3D22492E5A01}"/>
+              </a:ext>
+            </a:extLst>
+          </p:cNvPr>
+          <p:cNvPicPr>
+            <a:picLocks noChangeAspect="1"/>
+          </p:cNvPicPr>
+          <p:nvPr/>
+        </p:nvPicPr>
+        <p:blipFill>
+          <a:blip r:embed="rId2">
+            <a:extLst>
+              <a:ext uri="{28A0092B-C50C-407E-A947-70E740481C1C}">
+                <a14:useLocalDpi xmlns:a14="http://schemas.microsoft.com/office/drawing/2010/main" val="0"/>
+              </a:ext>
+            </a:extLst>
+          </a:blip>
+          <a:stretch>
+            <a:fillRect/>
+          </a:stretch>
+        </p:blipFill>
+        <p:spPr>
+          <a:xfrm>
+            <a:off x="-3409950" y="2226202"/>
+            <a:ext cx="3048000" cy="3048000"/>
+          </a:xfrm>
+          <a:prstGeom prst="rect">
+            <a:avLst/>
+          </a:prstGeom>
+        </p:spPr>
+      </p:pic>
+      <p:pic>
+        <p:nvPicPr>
+          <p:cNvPr id="6" name="Picture 5" descr="A pixelated goat with a long horn&#10;&#10;AI-generated content may be incorrect.">
+            <a:extLst>
+              <a:ext uri="{FF2B5EF4-FFF2-40B4-BE49-F238E27FC236}">
+                <a16:creationId xmlns:a16="http://schemas.microsoft.com/office/drawing/2014/main" id="{6FDEF2F4-7BC3-7E7F-7424-EB59376B2542}"/>
+              </a:ext>
+            </a:extLst>
+          </p:cNvPr>
+          <p:cNvPicPr>
+            <a:picLocks noChangeAspect="1"/>
+          </p:cNvPicPr>
+          <p:nvPr/>
+        </p:nvPicPr>
+        <p:blipFill>
+          <a:blip r:embed="rId2">
+            <a:extLst>
+              <a:ext uri="{28A0092B-C50C-407E-A947-70E740481C1C}">
+                <a14:useLocalDpi xmlns:a14="http://schemas.microsoft.com/office/drawing/2010/main" val="0"/>
+              </a:ext>
+            </a:extLst>
+          </a:blip>
+          <a:stretch>
+            <a:fillRect/>
+          </a:stretch>
+        </p:blipFill>
+        <p:spPr>
+          <a:xfrm>
+            <a:off x="-3409950" y="2226202"/>
+            <a:ext cx="3048000" cy="3048000"/>
+          </a:xfrm>
+          <a:prstGeom prst="rect">
+            <a:avLst/>
+          </a:prstGeom>
+        </p:spPr>
+      </p:pic>
+      <p:pic>
+        <p:nvPicPr>
+          <p:cNvPr id="8" name="Picture 7" descr="A pixelated goat with a black background&#10;&#10;AI-generated content may be incorrect.">
+            <a:extLst>
+              <a:ext uri="{FF2B5EF4-FFF2-40B4-BE49-F238E27FC236}">
+                <a16:creationId xmlns:a16="http://schemas.microsoft.com/office/drawing/2014/main" id="{1EEAE717-DD08-D250-1F01-EE505A331053}"/>
+              </a:ext>
+            </a:extLst>
+          </p:cNvPr>
+          <p:cNvPicPr>
+            <a:picLocks noChangeAspect="1"/>
+          </p:cNvPicPr>
+          <p:nvPr/>
+        </p:nvPicPr>
+        <p:blipFill>
+          <a:blip r:embed="rId3">
+            <a:extLst>
+              <a:ext uri="{28A0092B-C50C-407E-A947-70E740481C1C}">
+                <a14:useLocalDpi xmlns:a14="http://schemas.microsoft.com/office/drawing/2010/main" val="0"/>
+              </a:ext>
+            </a:extLst>
+          </a:blip>
+          <a:stretch>
+            <a:fillRect/>
+          </a:stretch>
+        </p:blipFill>
+        <p:spPr>
+          <a:xfrm>
+            <a:off x="4869334" y="2407590"/>
+            <a:ext cx="2453330" cy="2453330"/>
+          </a:xfrm>
+          <a:prstGeom prst="rect">
+            <a:avLst/>
+          </a:prstGeom>
+        </p:spPr>
+      </p:pic>
+    </p:spTree>
+    <p:extLst>
+      <p:ext uri="{BB962C8B-B14F-4D97-AF65-F5344CB8AC3E}">
+        <p14:creationId xmlns:p14="http://schemas.microsoft.com/office/powerpoint/2010/main" val="291586106"/>
+      </p:ext>
+    </p:extLst>
+  </p:cSld>
+  <p:clrMapOvr>
+    <a:masterClrMapping/>
+  </p:clrMapOvr>
+  <p:timing>
+    <p:tnLst>
+      <p:par>
+        <p:cTn id="1" dur="indefinite" restart="never" nodeType="tmRoot">
+          <p:childTnLst>
+            <p:seq concurrent="1" nextAc="seek">
+              <p:cTn id="2" dur="indefinite" nodeType="mainSeq">
+                <p:childTnLst>
+                  <p:par>
+                    <p:cTn id="3" fill="hold">
+                      <p:stCondLst>
+                        <p:cond delay="indefinite"/>
+                        <p:cond evt="onBegin" delay="0">
+                          <p:tn val="2"/>
+                        </p:cond>
+                      </p:stCondLst>
+                      <p:childTnLst>
+                        <p:par>
+                          <p:cTn id="4" fill="hold">
+                            <p:stCondLst>
+                              <p:cond delay="0"/>
+                            </p:stCondLst>
+                            <p:childTnLst>
+                              <p:par>
+                                <p:cTn id="5" presetID="63" presetClass="path" presetSubtype="0" fill="hold" nodeType="withEffect">
+                                  <p:stCondLst>
+                                    <p:cond delay="2000"/>
+                                  </p:stCondLst>
+                                  <p:childTnLst>
+                                    <p:animMotion origin="layout" path="M -2.5E-6 7.40741E-7 L 1.27123 7.40741E-7 " pathEditMode="relative" rAng="0" ptsTypes="AA">
+                                      <p:cBhvr>
+                                        <p:cTn id="6" dur="6000" fill="hold"/>
+                                        <p:tgtEl>
+                                          <p:spTgt spid="4"/>
+                                        </p:tgtEl>
+                                        <p:attrNameLst>
+                                          <p:attrName>ppt_x</p:attrName>
+                                          <p:attrName>ppt_y</p:attrName>
+                                        </p:attrNameLst>
+                                      </p:cBhvr>
+                                      <p:rCtr x="63555" y="0"/>
+                                    </p:animMotion>
+                                  </p:childTnLst>
+                                </p:cTn>
+                              </p:par>
+                            </p:childTnLst>
+                          </p:cTn>
+                        </p:par>
+                        <p:par>
+                          <p:cTn id="7" fill="hold">
+                            <p:stCondLst>
+                              <p:cond delay="8000"/>
+                            </p:stCondLst>
+                            <p:childTnLst>
+                              <p:par>
+                                <p:cTn id="8" presetID="63" presetClass="path" presetSubtype="0" fill="hold" nodeType="afterEffect">
+                                  <p:stCondLst>
+                                    <p:cond delay="5000"/>
+                                  </p:stCondLst>
+                                  <p:childTnLst>
+                                    <p:animMotion origin="layout" path="M -2.5E-6 7.40741E-7 L 1.27123 7.40741E-7 " pathEditMode="relative" rAng="0" ptsTypes="AA">
+                                      <p:cBhvr>
+                                        <p:cTn id="9" dur="6000" fill="hold"/>
+                                        <p:tgtEl>
+                                          <p:spTgt spid="5"/>
+                                        </p:tgtEl>
+                                        <p:attrNameLst>
+                                          <p:attrName>ppt_x</p:attrName>
+                                          <p:attrName>ppt_y</p:attrName>
+                                        </p:attrNameLst>
+                                      </p:cBhvr>
+                                      <p:rCtr x="63555" y="0"/>
+                                    </p:animMotion>
+                                  </p:childTnLst>
+                                </p:cTn>
+                              </p:par>
+                            </p:childTnLst>
+                          </p:cTn>
+                        </p:par>
+                        <p:par>
+                          <p:cTn id="10" fill="hold">
+                            <p:stCondLst>
+                              <p:cond delay="19000"/>
+                            </p:stCondLst>
+                            <p:childTnLst>
+                              <p:par>
+                                <p:cTn id="11" presetID="63" presetClass="path" presetSubtype="0" fill="hold" nodeType="afterEffect">
+                                  <p:stCondLst>
+                                    <p:cond delay="6000"/>
+                                  </p:stCondLst>
+                                  <p:childTnLst>
+                                    <p:animMotion origin="layout" path="M -2.5E-6 7.40741E-7 L 0.64492 7.40741E-7 " pathEditMode="relative" rAng="0" ptsTypes="AA">
+                                      <p:cBhvr>
+                                        <p:cTn id="12" dur="3000" fill="hold"/>
+                                        <p:tgtEl>
+                                          <p:spTgt spid="6"/>
+                                        </p:tgtEl>
+                                        <p:attrNameLst>
+                                          <p:attrName>ppt_x</p:attrName>
+                                          <p:attrName>ppt_y</p:attrName>
+                                        </p:attrNameLst>
+                                      </p:cBhvr>
+                                      <p:rCtr x="32240" y="0"/>
+                                    </p:animMotion>
+                                  </p:childTnLst>
+                                </p:cTn>
+                              </p:par>
+                            </p:childTnLst>
+                          </p:cTn>
+                        </p:par>
+                        <p:par>
+                          <p:cTn id="13" fill="hold">
+                            <p:stCondLst>
+                              <p:cond delay="28000"/>
+                            </p:stCondLst>
+                            <p:childTnLst>
+                              <p:par>
+                                <p:cTn id="14" presetID="1" presetClass="entr" presetSubtype="0" fill="hold" nodeType="afterEffect">
+                                  <p:stCondLst>
+                                    <p:cond delay="0"/>
+                                  </p:stCondLst>
+                                  <p:childTnLst>
+                                    <p:set>
+                                      <p:cBhvr>
+                                        <p:cTn id="15" dur="1" fill="hold">
+                                          <p:stCondLst>
+                                            <p:cond delay="0"/>
+                                          </p:stCondLst>
+                                        </p:cTn>
+                                        <p:tgtEl>
+                                          <p:spTgt spid="8"/>
+                                        </p:tgtEl>
+                                        <p:attrNameLst>
+                                          <p:attrName>style.visibility</p:attrName>
+                                        </p:attrNameLst>
+                                      </p:cBhvr>
+                                      <p:to>
+                                        <p:strVal val="visible"/>
+                                      </p:to>
+                                    </p:set>
+                                  </p:childTnLst>
+                                </p:cTn>
+                              </p:par>
+                            </p:childTnLst>
+                          </p:cTn>
+                        </p:par>
+                        <p:par>
+                          <p:cTn id="16" fill="hold">
+                            <p:stCondLst>
+                              <p:cond delay="28000"/>
+                            </p:stCondLst>
+                            <p:childTnLst>
+                              <p:par>
+                                <p:cTn id="17" presetID="1" presetClass="exit" presetSubtype="0" fill="hold" nodeType="afterEffect">
+                                  <p:stCondLst>
+                                    <p:cond delay="0"/>
+                                  </p:stCondLst>
+                                  <p:childTnLst>
+                                    <p:set>
+                                      <p:cBhvr>
+                                        <p:cTn id="18" dur="1" fill="hold">
+                                          <p:stCondLst>
+                                            <p:cond delay="0"/>
+                                          </p:stCondLst>
+                                        </p:cTn>
+                                        <p:tgtEl>
+                                          <p:spTgt spid="6"/>
+                                        </p:tgtEl>
+                                        <p:attrNameLst>
+                                          <p:attrName>style.visibility</p:attrName>
+                                        </p:attrNameLst>
+                                      </p:cBhvr>
+                                      <p:to>
+                                        <p:strVal val="hidden"/>
+                                      </p:to>
+                                    </p:set>
+                                  </p:childTnLst>
+                                </p:cTn>
+                              </p:par>
+                            </p:childTnLst>
+                          </p:cTn>
+                        </p:par>
+                      </p:childTnLst>
+                    </p:cTn>
+                  </p:par>
+                </p:childTnLst>
+              </p:cTn>
+              <p:prevCondLst>
+                <p:cond evt="onPrev" delay="0">
+                  <p:tgtEl>
+                    <p:sldTgt/>
+                  </p:tgtEl>
+                </p:cond>
+              </p:prevCondLst>
+              <p:nextCondLst>
+                <p:cond evt="onNext" delay="0">
+                  <p:tgtEl>
+                    <p:sldTgt/>
+                  </p:tgtEl>
+                </p:cond>
+              </p:nextCondLst>
+            </p:seq>
+          </p:childTnLst>
+        </p:cTn>
+      </p:par>
+    </p:tnLst>
+  </p:timing>
+</p:sld>
+</file>
+
 <file path=ppt/slides/slide2.xml><?xml version="1.0" encoding="utf-8"?>
 <p:sld xmlns:a="http://schemas.openxmlformats.org/drawingml/2006/main" xmlns:r="http://schemas.openxmlformats.org/officeDocument/2006/relationships" xmlns:p="http://schemas.openxmlformats.org/presentationml/2006/main">
   <p:cSld>
@@ -5380,26 +5845,121 @@
           </a:lstStyle>
           <a:p>
             <a:r>
-              <a:rPr lang="de-CH" dirty="0" err="1">
+              <a:rPr lang="de-CH" err="1">
                 <a:latin typeface="Jersey 10" pitchFamily="2" charset="0"/>
               </a:rPr>
               <a:t>Lessons</a:t>
             </a:r>
             <a:r>
-              <a:rPr lang="de-CH" dirty="0">
+              <a:rPr lang="de-CH">
                 <a:latin typeface="Jersey 10" pitchFamily="2" charset="0"/>
               </a:rPr>
-              <a:t> </a:t>
-            </a:r>
-            <a:r>
-              <a:rPr lang="de-CH" dirty="0" err="1">
-                <a:latin typeface="Jersey 10" pitchFamily="2" charset="0"/>
-              </a:rPr>
-              <a:t>Learned</a:t>
+              <a:t> Learned</a:t>
             </a:r>
             <a:endParaRPr lang="de-CH" dirty="0">
               <a:latin typeface="Jersey 10" pitchFamily="2" charset="0"/>
             </a:endParaRPr>
+          </a:p>
+        </p:txBody>
+      </p:sp>
+      <p:sp>
+        <p:nvSpPr>
+          <p:cNvPr id="2" name="TextBox 1">
+            <a:extLst>
+              <a:ext uri="{FF2B5EF4-FFF2-40B4-BE49-F238E27FC236}">
+                <a16:creationId xmlns:a16="http://schemas.microsoft.com/office/drawing/2014/main" id="{3EEA258D-2D30-1422-E02F-C4F0FEF7EE9D}"/>
+              </a:ext>
+            </a:extLst>
+          </p:cNvPr>
+          <p:cNvSpPr txBox="1"/>
+          <p:nvPr/>
+        </p:nvSpPr>
+        <p:spPr>
+          <a:xfrm>
+            <a:off x="4452170" y="2077632"/>
+            <a:ext cx="3287657" cy="3046988"/>
+          </a:xfrm>
+          <a:prstGeom prst="rect">
+            <a:avLst/>
+          </a:prstGeom>
+          <a:noFill/>
+        </p:spPr>
+        <p:txBody>
+          <a:bodyPr wrap="square" rtlCol="0">
+            <a:spAutoFit/>
+          </a:bodyPr>
+          <a:lstStyle/>
+          <a:p>
+            <a:pPr marL="457200" indent="-457200">
+              <a:buFont typeface="Arial" panose="020B0604020202020204" pitchFamily="34" charset="0"/>
+              <a:buChar char="•"/>
+            </a:pPr>
+            <a:r>
+              <a:rPr lang="en-US" sz="3200">
+                <a:latin typeface="Jersey 10" pitchFamily="2" charset="0"/>
+              </a:rPr>
+              <a:t>Code structure</a:t>
+            </a:r>
+          </a:p>
+          <a:p>
+            <a:pPr marL="457200" indent="-457200">
+              <a:buFont typeface="Arial" panose="020B0604020202020204" pitchFamily="34" charset="0"/>
+              <a:buChar char="•"/>
+            </a:pPr>
+            <a:r>
+              <a:rPr lang="en-US" sz="3200">
+                <a:latin typeface="Jersey 10" pitchFamily="2" charset="0"/>
+              </a:rPr>
+              <a:t>git usage</a:t>
+            </a:r>
+          </a:p>
+          <a:p>
+            <a:pPr marL="457200" indent="-457200">
+              <a:buFont typeface="Arial" panose="020B0604020202020204" pitchFamily="34" charset="0"/>
+              <a:buChar char="•"/>
+            </a:pPr>
+            <a:r>
+              <a:rPr lang="en-US" sz="3200">
+                <a:latin typeface="Jersey 10" pitchFamily="2" charset="0"/>
+              </a:rPr>
+              <a:t>Bug testing</a:t>
+            </a:r>
+          </a:p>
+          <a:p>
+            <a:pPr marL="457200" indent="-457200">
+              <a:buFont typeface="Arial" panose="020B0604020202020204" pitchFamily="34" charset="0"/>
+              <a:buChar char="•"/>
+            </a:pPr>
+            <a:r>
+              <a:rPr lang="en-US" sz="3200">
+                <a:latin typeface="Jersey 10" pitchFamily="2" charset="0"/>
+              </a:rPr>
+              <a:t>Communication</a:t>
+            </a:r>
+          </a:p>
+          <a:p>
+            <a:pPr marL="457200" indent="-457200">
+              <a:buFont typeface="Arial" panose="020B0604020202020204" pitchFamily="34" charset="0"/>
+              <a:buChar char="•"/>
+            </a:pPr>
+            <a:r>
+              <a:rPr lang="en-US" sz="3200">
+                <a:latin typeface="Jersey 10" pitchFamily="2" charset="0"/>
+              </a:rPr>
+              <a:t>Time management</a:t>
+            </a:r>
+          </a:p>
+          <a:p>
+            <a:pPr marL="457200" indent="-457200">
+              <a:buFont typeface="Arial" panose="020B0604020202020204" pitchFamily="34" charset="0"/>
+              <a:buChar char="•"/>
+            </a:pPr>
+            <a:r>
+              <a:rPr lang="en-US" sz="3200">
+                <a:latin typeface="Jersey 10" pitchFamily="2" charset="0"/>
+              </a:rPr>
+              <a:t>Team work</a:t>
+            </a:r>
           </a:p>
         </p:txBody>
       </p:sp>
